--- a/ppts/lec 5.pptx
+++ b/ppts/lec 5.pptx
@@ -322,7 +322,7 @@
             <a:fld id="{1D8BD707-D9CF-40AE-B4C6-C98DA3205C09}" type="datetimeFigureOut">
               <a:rPr lang="en-US" smtClean="0"/>
               <a:pPr/>
-              <a:t>4/8/2022</a:t>
+              <a:t>9/10/2022</a:t>
             </a:fld>
             <a:endParaRPr lang="en-US"/>
           </a:p>
@@ -487,7 +487,7 @@
             <a:fld id="{1D8BD707-D9CF-40AE-B4C6-C98DA3205C09}" type="datetimeFigureOut">
               <a:rPr lang="en-US" smtClean="0"/>
               <a:pPr/>
-              <a:t>4/8/2022</a:t>
+              <a:t>9/10/2022</a:t>
             </a:fld>
             <a:endParaRPr lang="en-US"/>
           </a:p>
@@ -662,7 +662,7 @@
             <a:fld id="{1D8BD707-D9CF-40AE-B4C6-C98DA3205C09}" type="datetimeFigureOut">
               <a:rPr lang="en-US" smtClean="0"/>
               <a:pPr/>
-              <a:t>4/8/2022</a:t>
+              <a:t>9/10/2022</a:t>
             </a:fld>
             <a:endParaRPr lang="en-US"/>
           </a:p>
@@ -827,7 +827,7 @@
             <a:fld id="{1D8BD707-D9CF-40AE-B4C6-C98DA3205C09}" type="datetimeFigureOut">
               <a:rPr lang="en-US" smtClean="0"/>
               <a:pPr/>
-              <a:t>4/8/2022</a:t>
+              <a:t>9/10/2022</a:t>
             </a:fld>
             <a:endParaRPr lang="en-US"/>
           </a:p>
@@ -1069,7 +1069,7 @@
             <a:fld id="{1D8BD707-D9CF-40AE-B4C6-C98DA3205C09}" type="datetimeFigureOut">
               <a:rPr lang="en-US" smtClean="0"/>
               <a:pPr/>
-              <a:t>4/8/2022</a:t>
+              <a:t>9/10/2022</a:t>
             </a:fld>
             <a:endParaRPr lang="en-US"/>
           </a:p>
@@ -1351,7 +1351,7 @@
             <a:fld id="{1D8BD707-D9CF-40AE-B4C6-C98DA3205C09}" type="datetimeFigureOut">
               <a:rPr lang="en-US" smtClean="0"/>
               <a:pPr/>
-              <a:t>4/8/2022</a:t>
+              <a:t>9/10/2022</a:t>
             </a:fld>
             <a:endParaRPr lang="en-US"/>
           </a:p>
@@ -1767,7 +1767,7 @@
             <a:fld id="{1D8BD707-D9CF-40AE-B4C6-C98DA3205C09}" type="datetimeFigureOut">
               <a:rPr lang="en-US" smtClean="0"/>
               <a:pPr/>
-              <a:t>4/8/2022</a:t>
+              <a:t>9/10/2022</a:t>
             </a:fld>
             <a:endParaRPr lang="en-US"/>
           </a:p>
@@ -1881,7 +1881,7 @@
             <a:fld id="{1D8BD707-D9CF-40AE-B4C6-C98DA3205C09}" type="datetimeFigureOut">
               <a:rPr lang="en-US" smtClean="0"/>
               <a:pPr/>
-              <a:t>4/8/2022</a:t>
+              <a:t>9/10/2022</a:t>
             </a:fld>
             <a:endParaRPr lang="en-US"/>
           </a:p>
@@ -1973,7 +1973,7 @@
             <a:fld id="{1D8BD707-D9CF-40AE-B4C6-C98DA3205C09}" type="datetimeFigureOut">
               <a:rPr lang="en-US" smtClean="0"/>
               <a:pPr/>
-              <a:t>4/8/2022</a:t>
+              <a:t>9/10/2022</a:t>
             </a:fld>
             <a:endParaRPr lang="en-US"/>
           </a:p>
@@ -2245,7 +2245,7 @@
             <a:fld id="{1D8BD707-D9CF-40AE-B4C6-C98DA3205C09}" type="datetimeFigureOut">
               <a:rPr lang="en-US" smtClean="0"/>
               <a:pPr/>
-              <a:t>4/8/2022</a:t>
+              <a:t>9/10/2022</a:t>
             </a:fld>
             <a:endParaRPr lang="en-US"/>
           </a:p>
@@ -2494,7 +2494,7 @@
             <a:fld id="{1D8BD707-D9CF-40AE-B4C6-C98DA3205C09}" type="datetimeFigureOut">
               <a:rPr lang="en-US" smtClean="0"/>
               <a:pPr/>
-              <a:t>4/8/2022</a:t>
+              <a:t>9/10/2022</a:t>
             </a:fld>
             <a:endParaRPr lang="en-US"/>
           </a:p>
@@ -2702,7 +2702,7 @@
             <a:fld id="{1D8BD707-D9CF-40AE-B4C6-C98DA3205C09}" type="datetimeFigureOut">
               <a:rPr lang="en-US" smtClean="0"/>
               <a:pPr/>
-              <a:t>4/8/2022</a:t>
+              <a:t>9/10/2022</a:t>
             </a:fld>
             <a:endParaRPr lang="en-US"/>
           </a:p>
@@ -3089,8 +3089,12 @@
           <a:lstStyle/>
           <a:p>
             <a:r>
-              <a:rPr lang="en-US" dirty="0"/>
-              <a:t>SLIs, SLOs, SLAs,</a:t>
+              <a:rPr lang="en-US" dirty="0" err="1"/>
+              <a:t>Lec</a:t>
+            </a:r>
+            <a:r>
+              <a:rPr lang="en-US" dirty="0"/>
+              <a:t> 5</a:t>
             </a:r>
           </a:p>
         </p:txBody>
@@ -3110,7 +3114,10 @@
           <a:bodyPr/>
           <a:lstStyle/>
           <a:p>
-            <a:endParaRPr lang="en-US"/>
+            <a:r>
+              <a:rPr lang="en-US" dirty="0"/>
+              <a:t>SLIs, SLOs, SLAs</a:t>
+            </a:r>
           </a:p>
         </p:txBody>
       </p:sp>
